--- a/miniprojectV.pptx
+++ b/miniprojectV.pptx
@@ -3059,7 +3059,7 @@
             <a:fld id="{C1B2A2F5-D4A8-4172-9A3B-68A953FA60DA}" type="datetimeFigureOut">
               <a:rPr lang="zh-CN" altLang="en-US" smtClean="0"/>
               <a:pPr/>
-              <a:t>2022/7/29</a:t>
+              <a:t>2022/8/24</a:t>
             </a:fld>
             <a:endParaRPr lang="zh-CN" altLang="en-US" dirty="0"/>
           </a:p>
@@ -3923,11 +3923,11 @@
   <p:clrMapOvr>
     <a:masterClrMapping/>
   </p:clrMapOvr>
-  <mc:AlternateContent xmlns:mc="http://schemas.openxmlformats.org/markup-compatibility/2006">
-    <mc:Choice xmlns:p14="http://schemas.microsoft.com/office/powerpoint/2010/main" Requires="p14">
+  <mc:AlternateContent xmlns:mc="http://schemas.openxmlformats.org/markup-compatibility/2006" xmlns:p14="http://schemas.microsoft.com/office/powerpoint/2010/main">
+    <mc:Choice Requires="p14">
       <p:transition p14:dur="0" advTm="11000"/>
     </mc:Choice>
-    <mc:Fallback>
+    <mc:Fallback xmlns="">
       <p:transition advTm="11000"/>
     </mc:Fallback>
   </mc:AlternateContent>
@@ -5412,11 +5412,11 @@
   <p:clrMapOvr>
     <a:masterClrMapping/>
   </p:clrMapOvr>
-  <mc:AlternateContent xmlns:mc="http://schemas.openxmlformats.org/markup-compatibility/2006">
-    <mc:Choice xmlns:p14="http://schemas.microsoft.com/office/powerpoint/2010/main" Requires="p14">
+  <mc:AlternateContent xmlns:mc="http://schemas.openxmlformats.org/markup-compatibility/2006" xmlns:p14="http://schemas.microsoft.com/office/powerpoint/2010/main">
+    <mc:Choice Requires="p14">
       <p:transition p14:dur="0"/>
     </mc:Choice>
-    <mc:Fallback>
+    <mc:Fallback xmlns="">
       <p:transition/>
     </mc:Fallback>
   </mc:AlternateContent>
@@ -7738,11 +7738,11 @@
   <p:clrMapOvr>
     <a:masterClrMapping/>
   </p:clrMapOvr>
-  <mc:AlternateContent xmlns:mc="http://schemas.openxmlformats.org/markup-compatibility/2006">
-    <mc:Choice xmlns:p14="http://schemas.microsoft.com/office/powerpoint/2010/main" Requires="p14">
+  <mc:AlternateContent xmlns:mc="http://schemas.openxmlformats.org/markup-compatibility/2006" xmlns:p14="http://schemas.microsoft.com/office/powerpoint/2010/main">
+    <mc:Choice Requires="p14">
       <p:transition p14:dur="0"/>
     </mc:Choice>
-    <mc:Fallback>
+    <mc:Fallback xmlns="">
       <p:transition/>
     </mc:Fallback>
   </mc:AlternateContent>
@@ -15182,7 +15182,7 @@
         </p:nvSpPr>
         <p:spPr>
           <a:xfrm>
-            <a:off x="6264278" y="0"/>
+            <a:off x="6247228" y="350875"/>
             <a:ext cx="5927721" cy="6858000"/>
           </a:xfrm>
           <a:custGeom>
@@ -17413,11 +17413,11 @@
   <p:clrMapOvr>
     <a:masterClrMapping/>
   </p:clrMapOvr>
-  <mc:AlternateContent xmlns:mc="http://schemas.openxmlformats.org/markup-compatibility/2006">
-    <mc:Choice xmlns:p14="http://schemas.microsoft.com/office/powerpoint/2010/main" Requires="p14">
+  <mc:AlternateContent xmlns:mc="http://schemas.openxmlformats.org/markup-compatibility/2006" xmlns:p14="http://schemas.microsoft.com/office/powerpoint/2010/main">
+    <mc:Choice Requires="p14">
       <p:transition p14:dur="0"/>
     </mc:Choice>
-    <mc:Fallback>
+    <mc:Fallback xmlns="">
       <p:transition/>
     </mc:Fallback>
   </mc:AlternateContent>
@@ -18036,11 +18036,11 @@
   <p:clrMapOvr>
     <a:masterClrMapping/>
   </p:clrMapOvr>
-  <mc:AlternateContent xmlns:mc="http://schemas.openxmlformats.org/markup-compatibility/2006">
-    <mc:Choice xmlns:p14="http://schemas.microsoft.com/office/powerpoint/2010/main" Requires="p14">
+  <mc:AlternateContent xmlns:mc="http://schemas.openxmlformats.org/markup-compatibility/2006" xmlns:p14="http://schemas.microsoft.com/office/powerpoint/2010/main">
+    <mc:Choice Requires="p14">
       <p:transition p14:dur="0"/>
     </mc:Choice>
-    <mc:Fallback>
+    <mc:Fallback xmlns="">
       <p:transition/>
     </mc:Fallback>
   </mc:AlternateContent>
